--- a/20231209(1).pptx
+++ b/20231209(1).pptx
@@ -3928,7 +3928,7 @@
   <pc:docChgLst>
     <pc:chgData name="明阳 阮" userId="a4dcf2889a22c6f9" providerId="LiveId" clId="{28B77DC3-1BDE-41AE-A96E-CA10BA68E48B}"/>
     <pc:docChg chg="undo custSel addSld delSld modSld sldOrd">
-      <pc:chgData name="明阳 阮" userId="a4dcf2889a22c6f9" providerId="LiveId" clId="{28B77DC3-1BDE-41AE-A96E-CA10BA68E48B}" dt="2023-12-06T12:02:11.874" v="5509" actId="1035"/>
+      <pc:chgData name="明阳 阮" userId="a4dcf2889a22c6f9" providerId="LiveId" clId="{28B77DC3-1BDE-41AE-A96E-CA10BA68E48B}" dt="2023-12-06T12:10:22.396" v="5603" actId="1036"/>
       <pc:docMkLst>
         <pc:docMk/>
       </pc:docMkLst>
@@ -4403,11 +4403,19 @@
         </pc:sldMkLst>
       </pc:sldChg>
       <pc:sldChg chg="addSp delSp modSp mod modNotesTx">
-        <pc:chgData name="明阳 阮" userId="a4dcf2889a22c6f9" providerId="LiveId" clId="{28B77DC3-1BDE-41AE-A96E-CA10BA68E48B}" dt="2023-12-06T11:55:02.826" v="5468"/>
+        <pc:chgData name="明阳 阮" userId="a4dcf2889a22c6f9" providerId="LiveId" clId="{28B77DC3-1BDE-41AE-A96E-CA10BA68E48B}" dt="2023-12-06T12:10:22.396" v="5603" actId="1036"/>
         <pc:sldMkLst>
           <pc:docMk/>
           <pc:sldMk cId="3395683612" sldId="275"/>
         </pc:sldMkLst>
+        <pc:spChg chg="add del mod">
+          <ac:chgData name="明阳 阮" userId="a4dcf2889a22c6f9" providerId="LiveId" clId="{28B77DC3-1BDE-41AE-A96E-CA10BA68E48B}" dt="2023-12-06T12:09:05.617" v="5520"/>
+          <ac:spMkLst>
+            <pc:docMk/>
+            <pc:sldMk cId="3395683612" sldId="275"/>
+            <ac:spMk id="2" creationId="{2A798841-172A-660C-772D-F518FCCDCD63}"/>
+          </ac:spMkLst>
+        </pc:spChg>
         <pc:spChg chg="del">
           <ac:chgData name="明阳 阮" userId="a4dcf2889a22c6f9" providerId="LiveId" clId="{28B77DC3-1BDE-41AE-A96E-CA10BA68E48B}" dt="2023-12-06T09:27:15.752" v="2220" actId="478"/>
           <ac:spMkLst>
@@ -4417,13 +4425,21 @@
           </ac:spMkLst>
         </pc:spChg>
         <pc:spChg chg="add mod">
-          <ac:chgData name="明阳 阮" userId="a4dcf2889a22c6f9" providerId="LiveId" clId="{28B77DC3-1BDE-41AE-A96E-CA10BA68E48B}" dt="2023-12-06T09:27:29.190" v="2225"/>
+          <ac:chgData name="明阳 阮" userId="a4dcf2889a22c6f9" providerId="LiveId" clId="{28B77DC3-1BDE-41AE-A96E-CA10BA68E48B}" dt="2023-12-06T12:09:37.610" v="5536" actId="20577"/>
           <ac:spMkLst>
             <pc:docMk/>
             <pc:sldMk cId="3395683612" sldId="275"/>
             <ac:spMk id="3" creationId="{ACAD7A85-6E2E-D183-9CFC-B0032598E55E}"/>
           </ac:spMkLst>
         </pc:spChg>
+        <pc:spChg chg="add mod">
+          <ac:chgData name="明阳 阮" userId="a4dcf2889a22c6f9" providerId="LiveId" clId="{28B77DC3-1BDE-41AE-A96E-CA10BA68E48B}" dt="2023-12-06T12:10:22.396" v="5603" actId="1036"/>
+          <ac:spMkLst>
+            <pc:docMk/>
+            <pc:sldMk cId="3395683612" sldId="275"/>
+            <ac:spMk id="4" creationId="{4822E684-ABA6-485D-E9B8-9B6AAECE0CF7}"/>
+          </ac:spMkLst>
+        </pc:spChg>
         <pc:spChg chg="del">
           <ac:chgData name="明阳 阮" userId="a4dcf2889a22c6f9" providerId="LiveId" clId="{28B77DC3-1BDE-41AE-A96E-CA10BA68E48B}" dt="2023-12-06T09:31:07.805" v="2412" actId="21"/>
           <ac:spMkLst>
@@ -4441,7 +4457,7 @@
           </ac:spMkLst>
         </pc:spChg>
         <pc:spChg chg="mod">
-          <ac:chgData name="明阳 阮" userId="a4dcf2889a22c6f9" providerId="LiveId" clId="{28B77DC3-1BDE-41AE-A96E-CA10BA68E48B}" dt="2023-12-06T11:25:14.154" v="4860" actId="552"/>
+          <ac:chgData name="明阳 阮" userId="a4dcf2889a22c6f9" providerId="LiveId" clId="{28B77DC3-1BDE-41AE-A96E-CA10BA68E48B}" dt="2023-12-06T12:09:53.866" v="5540" actId="20577"/>
           <ac:spMkLst>
             <pc:docMk/>
             <pc:sldMk cId="3395683612" sldId="275"/>
@@ -4577,7 +4593,7 @@
           </ac:spMkLst>
         </pc:spChg>
         <pc:spChg chg="add mod">
-          <ac:chgData name="明阳 阮" userId="a4dcf2889a22c6f9" providerId="LiveId" clId="{28B77DC3-1BDE-41AE-A96E-CA10BA68E48B}" dt="2023-12-06T11:47:14.054" v="5432" actId="1035"/>
+          <ac:chgData name="明阳 阮" userId="a4dcf2889a22c6f9" providerId="LiveId" clId="{28B77DC3-1BDE-41AE-A96E-CA10BA68E48B}" dt="2023-12-06T12:10:16.041" v="5594" actId="1035"/>
           <ac:spMkLst>
             <pc:docMk/>
             <pc:sldMk cId="3395683612" sldId="275"/>
@@ -4585,7 +4601,7 @@
           </ac:spMkLst>
         </pc:spChg>
         <pc:spChg chg="add mod">
-          <ac:chgData name="明阳 阮" userId="a4dcf2889a22c6f9" providerId="LiveId" clId="{28B77DC3-1BDE-41AE-A96E-CA10BA68E48B}" dt="2023-12-06T11:47:14.054" v="5432" actId="1035"/>
+          <ac:chgData name="明阳 阮" userId="a4dcf2889a22c6f9" providerId="LiveId" clId="{28B77DC3-1BDE-41AE-A96E-CA10BA68E48B}" dt="2023-12-06T12:10:16.041" v="5594" actId="1035"/>
           <ac:spMkLst>
             <pc:docMk/>
             <pc:sldMk cId="3395683612" sldId="275"/>
@@ -4593,7 +4609,7 @@
           </ac:spMkLst>
         </pc:spChg>
         <pc:spChg chg="add mod">
-          <ac:chgData name="明阳 阮" userId="a4dcf2889a22c6f9" providerId="LiveId" clId="{28B77DC3-1BDE-41AE-A96E-CA10BA68E48B}" dt="2023-12-06T11:47:14.054" v="5432" actId="1035"/>
+          <ac:chgData name="明阳 阮" userId="a4dcf2889a22c6f9" providerId="LiveId" clId="{28B77DC3-1BDE-41AE-A96E-CA10BA68E48B}" dt="2023-12-06T12:10:16.041" v="5594" actId="1035"/>
           <ac:spMkLst>
             <pc:docMk/>
             <pc:sldMk cId="3395683612" sldId="275"/>
@@ -4601,7 +4617,7 @@
           </ac:spMkLst>
         </pc:spChg>
         <pc:spChg chg="add mod">
-          <ac:chgData name="明阳 阮" userId="a4dcf2889a22c6f9" providerId="LiveId" clId="{28B77DC3-1BDE-41AE-A96E-CA10BA68E48B}" dt="2023-12-06T11:47:14.054" v="5432" actId="1035"/>
+          <ac:chgData name="明阳 阮" userId="a4dcf2889a22c6f9" providerId="LiveId" clId="{28B77DC3-1BDE-41AE-A96E-CA10BA68E48B}" dt="2023-12-06T12:10:16.041" v="5594" actId="1035"/>
           <ac:spMkLst>
             <pc:docMk/>
             <pc:sldMk cId="3395683612" sldId="275"/>
@@ -4609,7 +4625,7 @@
           </ac:spMkLst>
         </pc:spChg>
         <pc:spChg chg="add mod">
-          <ac:chgData name="明阳 阮" userId="a4dcf2889a22c6f9" providerId="LiveId" clId="{28B77DC3-1BDE-41AE-A96E-CA10BA68E48B}" dt="2023-12-06T11:47:14.054" v="5432" actId="1035"/>
+          <ac:chgData name="明阳 阮" userId="a4dcf2889a22c6f9" providerId="LiveId" clId="{28B77DC3-1BDE-41AE-A96E-CA10BA68E48B}" dt="2023-12-06T12:10:16.041" v="5594" actId="1035"/>
           <ac:spMkLst>
             <pc:docMk/>
             <pc:sldMk cId="3395683612" sldId="275"/>
@@ -4617,7 +4633,7 @@
           </ac:spMkLst>
         </pc:spChg>
         <pc:spChg chg="add mod">
-          <ac:chgData name="明阳 阮" userId="a4dcf2889a22c6f9" providerId="LiveId" clId="{28B77DC3-1BDE-41AE-A96E-CA10BA68E48B}" dt="2023-12-06T11:47:14.054" v="5432" actId="1035"/>
+          <ac:chgData name="明阳 阮" userId="a4dcf2889a22c6f9" providerId="LiveId" clId="{28B77DC3-1BDE-41AE-A96E-CA10BA68E48B}" dt="2023-12-06T12:10:16.041" v="5594" actId="1035"/>
           <ac:spMkLst>
             <pc:docMk/>
             <pc:sldMk cId="3395683612" sldId="275"/>
@@ -4625,7 +4641,7 @@
           </ac:spMkLst>
         </pc:spChg>
         <pc:spChg chg="add mod">
-          <ac:chgData name="明阳 阮" userId="a4dcf2889a22c6f9" providerId="LiveId" clId="{28B77DC3-1BDE-41AE-A96E-CA10BA68E48B}" dt="2023-12-06T11:47:14.054" v="5432" actId="1035"/>
+          <ac:chgData name="明阳 阮" userId="a4dcf2889a22c6f9" providerId="LiveId" clId="{28B77DC3-1BDE-41AE-A96E-CA10BA68E48B}" dt="2023-12-06T12:10:16.041" v="5594" actId="1035"/>
           <ac:spMkLst>
             <pc:docMk/>
             <pc:sldMk cId="3395683612" sldId="275"/>
@@ -4633,7 +4649,7 @@
           </ac:spMkLst>
         </pc:spChg>
         <pc:spChg chg="add mod">
-          <ac:chgData name="明阳 阮" userId="a4dcf2889a22c6f9" providerId="LiveId" clId="{28B77DC3-1BDE-41AE-A96E-CA10BA68E48B}" dt="2023-12-06T11:47:14.054" v="5432" actId="1035"/>
+          <ac:chgData name="明阳 阮" userId="a4dcf2889a22c6f9" providerId="LiveId" clId="{28B77DC3-1BDE-41AE-A96E-CA10BA68E48B}" dt="2023-12-06T12:10:16.041" v="5594" actId="1035"/>
           <ac:spMkLst>
             <pc:docMk/>
             <pc:sldMk cId="3395683612" sldId="275"/>
@@ -4641,7 +4657,7 @@
           </ac:spMkLst>
         </pc:spChg>
         <pc:spChg chg="add mod">
-          <ac:chgData name="明阳 阮" userId="a4dcf2889a22c6f9" providerId="LiveId" clId="{28B77DC3-1BDE-41AE-A96E-CA10BA68E48B}" dt="2023-12-06T11:47:14.054" v="5432" actId="1035"/>
+          <ac:chgData name="明阳 阮" userId="a4dcf2889a22c6f9" providerId="LiveId" clId="{28B77DC3-1BDE-41AE-A96E-CA10BA68E48B}" dt="2023-12-06T12:10:16.041" v="5594" actId="1035"/>
           <ac:spMkLst>
             <pc:docMk/>
             <pc:sldMk cId="3395683612" sldId="275"/>
@@ -4649,7 +4665,7 @@
           </ac:spMkLst>
         </pc:spChg>
         <pc:spChg chg="add mod">
-          <ac:chgData name="明阳 阮" userId="a4dcf2889a22c6f9" providerId="LiveId" clId="{28B77DC3-1BDE-41AE-A96E-CA10BA68E48B}" dt="2023-12-06T11:47:14.054" v="5432" actId="1035"/>
+          <ac:chgData name="明阳 阮" userId="a4dcf2889a22c6f9" providerId="LiveId" clId="{28B77DC3-1BDE-41AE-A96E-CA10BA68E48B}" dt="2023-12-06T12:10:16.041" v="5594" actId="1035"/>
           <ac:spMkLst>
             <pc:docMk/>
             <pc:sldMk cId="3395683612" sldId="275"/>
@@ -4657,7 +4673,7 @@
           </ac:spMkLst>
         </pc:spChg>
         <pc:spChg chg="add mod">
-          <ac:chgData name="明阳 阮" userId="a4dcf2889a22c6f9" providerId="LiveId" clId="{28B77DC3-1BDE-41AE-A96E-CA10BA68E48B}" dt="2023-12-06T11:47:14.054" v="5432" actId="1035"/>
+          <ac:chgData name="明阳 阮" userId="a4dcf2889a22c6f9" providerId="LiveId" clId="{28B77DC3-1BDE-41AE-A96E-CA10BA68E48B}" dt="2023-12-06T12:10:16.041" v="5594" actId="1035"/>
           <ac:spMkLst>
             <pc:docMk/>
             <pc:sldMk cId="3395683612" sldId="275"/>
@@ -4665,7 +4681,7 @@
           </ac:spMkLst>
         </pc:spChg>
         <pc:spChg chg="add mod">
-          <ac:chgData name="明阳 阮" userId="a4dcf2889a22c6f9" providerId="LiveId" clId="{28B77DC3-1BDE-41AE-A96E-CA10BA68E48B}" dt="2023-12-06T11:47:14.054" v="5432" actId="1035"/>
+          <ac:chgData name="明阳 阮" userId="a4dcf2889a22c6f9" providerId="LiveId" clId="{28B77DC3-1BDE-41AE-A96E-CA10BA68E48B}" dt="2023-12-06T12:10:16.041" v="5594" actId="1035"/>
           <ac:spMkLst>
             <pc:docMk/>
             <pc:sldMk cId="3395683612" sldId="275"/>
@@ -4673,7 +4689,7 @@
           </ac:spMkLst>
         </pc:spChg>
         <pc:spChg chg="add del mod">
-          <ac:chgData name="明阳 阮" userId="a4dcf2889a22c6f9" providerId="LiveId" clId="{28B77DC3-1BDE-41AE-A96E-CA10BA68E48B}" dt="2023-12-06T11:26:09.665" v="4932" actId="465"/>
+          <ac:chgData name="明阳 阮" userId="a4dcf2889a22c6f9" providerId="LiveId" clId="{28B77DC3-1BDE-41AE-A96E-CA10BA68E48B}" dt="2023-12-06T12:08:53.845" v="5516"/>
           <ac:spMkLst>
             <pc:docMk/>
             <pc:sldMk cId="3395683612" sldId="275"/>
@@ -4689,7 +4705,7 @@
           </ac:spMkLst>
         </pc:spChg>
         <pc:spChg chg="add mod">
-          <ac:chgData name="明阳 阮" userId="a4dcf2889a22c6f9" providerId="LiveId" clId="{28B77DC3-1BDE-41AE-A96E-CA10BA68E48B}" dt="2023-12-06T11:25:14.154" v="4860" actId="552"/>
+          <ac:chgData name="明阳 阮" userId="a4dcf2889a22c6f9" providerId="LiveId" clId="{28B77DC3-1BDE-41AE-A96E-CA10BA68E48B}" dt="2023-12-06T12:10:05.419" v="5570" actId="1036"/>
           <ac:spMkLst>
             <pc:docMk/>
             <pc:sldMk cId="3395683612" sldId="275"/>
@@ -4721,7 +4737,7 @@
           </ac:cxnSpMkLst>
         </pc:cxnChg>
         <pc:cxnChg chg="add mod">
-          <ac:chgData name="明阳 阮" userId="a4dcf2889a22c6f9" providerId="LiveId" clId="{28B77DC3-1BDE-41AE-A96E-CA10BA68E48B}" dt="2023-12-06T11:47:14.054" v="5432" actId="1035"/>
+          <ac:chgData name="明阳 阮" userId="a4dcf2889a22c6f9" providerId="LiveId" clId="{28B77DC3-1BDE-41AE-A96E-CA10BA68E48B}" dt="2023-12-06T12:10:16.041" v="5594" actId="1035"/>
           <ac:cxnSpMkLst>
             <pc:docMk/>
             <pc:sldMk cId="3395683612" sldId="275"/>
@@ -4729,7 +4745,7 @@
           </ac:cxnSpMkLst>
         </pc:cxnChg>
         <pc:cxnChg chg="add mod">
-          <ac:chgData name="明阳 阮" userId="a4dcf2889a22c6f9" providerId="LiveId" clId="{28B77DC3-1BDE-41AE-A96E-CA10BA68E48B}" dt="2023-12-06T11:47:14.054" v="5432" actId="1035"/>
+          <ac:chgData name="明阳 阮" userId="a4dcf2889a22c6f9" providerId="LiveId" clId="{28B77DC3-1BDE-41AE-A96E-CA10BA68E48B}" dt="2023-12-06T12:10:16.041" v="5594" actId="1035"/>
           <ac:cxnSpMkLst>
             <pc:docMk/>
             <pc:sldMk cId="3395683612" sldId="275"/>
@@ -7438,6 +7454,90 @@
 </file>
 
 <file path=ppt/notesSlides/notesSlide8.xml><?xml version="1.0" encoding="utf-8"?>
+<p:notes xmlns:a="http://schemas.openxmlformats.org/drawingml/2006/main" xmlns:r="http://schemas.openxmlformats.org/officeDocument/2006/relationships" xmlns:p="http://schemas.openxmlformats.org/presentationml/2006/main">
+  <p:cSld>
+    <p:spTree>
+      <p:nvGrpSpPr>
+        <p:cNvPr id="1" name=""/>
+        <p:cNvGrpSpPr/>
+        <p:nvPr/>
+      </p:nvGrpSpPr>
+      <p:grpSpPr>
+        <a:xfrm>
+          <a:off x="0" y="0"/>
+          <a:ext cx="0" cy="0"/>
+          <a:chOff x="0" y="0"/>
+          <a:chExt cx="0" cy="0"/>
+        </a:xfrm>
+      </p:grpSpPr>
+      <p:sp>
+        <p:nvSpPr>
+          <p:cNvPr id="2" name="スライド イメージ プレースホルダー 1"/>
+          <p:cNvSpPr>
+            <a:spLocks noGrp="1" noRot="1" noChangeAspect="1"/>
+          </p:cNvSpPr>
+          <p:nvPr>
+            <p:ph type="sldImg"/>
+          </p:nvPr>
+        </p:nvSpPr>
+        <p:spPr/>
+      </p:sp>
+      <p:sp>
+        <p:nvSpPr>
+          <p:cNvPr id="3" name="ノート プレースホルダー 2"/>
+          <p:cNvSpPr>
+            <a:spLocks noGrp="1"/>
+          </p:cNvSpPr>
+          <p:nvPr>
+            <p:ph type="body" idx="1"/>
+          </p:nvPr>
+        </p:nvSpPr>
+        <p:spPr/>
+        <p:txBody>
+          <a:bodyPr/>
+          <a:lstStyle/>
+          <a:p>
+            <a:endParaRPr kumimoji="1" lang="ja-JP" altLang="en-US" dirty="0"/>
+          </a:p>
+        </p:txBody>
+      </p:sp>
+      <p:sp>
+        <p:nvSpPr>
+          <p:cNvPr id="4" name="スライド番号プレースホルダー 3"/>
+          <p:cNvSpPr>
+            <a:spLocks noGrp="1"/>
+          </p:cNvSpPr>
+          <p:nvPr>
+            <p:ph type="sldNum" sz="quarter" idx="5"/>
+          </p:nvPr>
+        </p:nvSpPr>
+        <p:spPr/>
+        <p:txBody>
+          <a:bodyPr/>
+          <a:lstStyle/>
+          <a:p>
+            <a:fld id="{39253F4F-F1BD-4470-81BD-E5FB23E58338}" type="slidenum">
+              <a:rPr kumimoji="1" lang="ja-JP" altLang="en-US" smtClean="0"/>
+              <a:t>8</a:t>
+            </a:fld>
+            <a:endParaRPr kumimoji="1" lang="ja-JP" altLang="en-US"/>
+          </a:p>
+        </p:txBody>
+      </p:sp>
+    </p:spTree>
+    <p:extLst>
+      <p:ext uri="{BB962C8B-B14F-4D97-AF65-F5344CB8AC3E}">
+        <p14:creationId xmlns:p14="http://schemas.microsoft.com/office/powerpoint/2010/main" val="1438075991"/>
+      </p:ext>
+    </p:extLst>
+  </p:cSld>
+  <p:clrMapOvr>
+    <a:masterClrMapping/>
+  </p:clrMapOvr>
+</p:notes>
+</file>
+
+<file path=ppt/notesSlides/notesSlide9.xml><?xml version="1.0" encoding="utf-8"?>
 <p:notes xmlns:a="http://schemas.openxmlformats.org/drawingml/2006/main" xmlns:r="http://schemas.openxmlformats.org/officeDocument/2006/relationships" xmlns:p="http://schemas.openxmlformats.org/presentationml/2006/main">
   <p:cSld>
     <p:spTree>
@@ -19238,8 +19338,8 @@
           </a:p>
         </p:txBody>
       </p:sp>
-      <mc:AlternateContent xmlns:mc="http://schemas.openxmlformats.org/markup-compatibility/2006">
-        <mc:Choice xmlns:a14="http://schemas.microsoft.com/office/drawing/2010/main" Requires="a14">
+      <mc:AlternateContent xmlns:mc="http://schemas.openxmlformats.org/markup-compatibility/2006" xmlns:a14="http://schemas.microsoft.com/office/drawing/2010/main">
+        <mc:Choice Requires="a14">
           <p:sp>
             <p:nvSpPr>
               <p:cNvPr id="21" name="テキスト ボックス 20">
@@ -19334,7 +19434,7 @@
             </p:txBody>
           </p:sp>
         </mc:Choice>
-        <mc:Fallback>
+        <mc:Fallback xmlns="">
           <p:sp>
             <p:nvSpPr>
               <p:cNvPr id="21" name="テキスト ボックス 20">
@@ -19379,8 +19479,8 @@
           </p:sp>
         </mc:Fallback>
       </mc:AlternateContent>
-      <mc:AlternateContent xmlns:mc="http://schemas.openxmlformats.org/markup-compatibility/2006">
-        <mc:Choice xmlns:a14="http://schemas.microsoft.com/office/drawing/2010/main" Requires="a14">
+      <mc:AlternateContent xmlns:mc="http://schemas.openxmlformats.org/markup-compatibility/2006" xmlns:a14="http://schemas.microsoft.com/office/drawing/2010/main">
+        <mc:Choice Requires="a14">
           <p:sp>
             <p:nvSpPr>
               <p:cNvPr id="24" name="テキスト ボックス 23">
@@ -19475,7 +19575,7 @@
             </p:txBody>
           </p:sp>
         </mc:Choice>
-        <mc:Fallback>
+        <mc:Fallback xmlns="">
           <p:sp>
             <p:nvSpPr>
               <p:cNvPr id="24" name="テキスト ボックス 23">
@@ -19556,8 +19656,8 @@
           </a:p>
         </p:txBody>
       </p:sp>
-      <mc:AlternateContent xmlns:mc="http://schemas.openxmlformats.org/markup-compatibility/2006">
-        <mc:Choice xmlns:a14="http://schemas.microsoft.com/office/drawing/2010/main" Requires="a14">
+      <mc:AlternateContent xmlns:mc="http://schemas.openxmlformats.org/markup-compatibility/2006" xmlns:a14="http://schemas.microsoft.com/office/drawing/2010/main">
+        <mc:Choice Requires="a14">
           <p:sp>
             <p:nvSpPr>
               <p:cNvPr id="35" name="テキスト ボックス 34">
@@ -19745,7 +19845,7 @@
             </p:txBody>
           </p:sp>
         </mc:Choice>
-        <mc:Fallback>
+        <mc:Fallback xmlns="">
           <p:sp>
             <p:nvSpPr>
               <p:cNvPr id="35" name="テキスト ボックス 34">
@@ -22899,7 +22999,7 @@
           <p:nvPr/>
         </p:nvPicPr>
         <p:blipFill rotWithShape="1">
-          <a:blip r:embed="rId2">
+          <a:blip r:embed="rId3">
             <a:extLst>
               <a:ext uri="{28A0092B-C50C-407E-A947-70E740481C1C}">
                 <a14:useLocalDpi xmlns:a14="http://schemas.microsoft.com/office/drawing/2010/main" val="0"/>
@@ -23051,7 +23151,7 @@
           <p:nvPr/>
         </p:nvPicPr>
         <p:blipFill rotWithShape="1">
-          <a:blip r:embed="rId3"/>
+          <a:blip r:embed="rId4"/>
           <a:srcRect l="9705" t="80697" r="59897" b="-2156"/>
           <a:stretch/>
         </p:blipFill>
@@ -23080,7 +23180,7 @@
           <p:nvPr/>
         </p:nvPicPr>
         <p:blipFill>
-          <a:blip r:embed="rId4"/>
+          <a:blip r:embed="rId5"/>
           <a:stretch>
             <a:fillRect/>
           </a:stretch>
@@ -23110,7 +23210,7 @@
           <p:nvPr/>
         </p:nvPicPr>
         <p:blipFill rotWithShape="1">
-          <a:blip r:embed="rId5"/>
+          <a:blip r:embed="rId6"/>
           <a:srcRect l="11609" t="15231" r="15965" b="8788"/>
           <a:stretch/>
         </p:blipFill>
@@ -23139,7 +23239,7 @@
           <p:nvPr/>
         </p:nvPicPr>
         <p:blipFill rotWithShape="1">
-          <a:blip r:embed="rId6"/>
+          <a:blip r:embed="rId7"/>
           <a:srcRect l="7644" t="16639" r="19083" b="13549"/>
           <a:stretch/>
         </p:blipFill>
@@ -23168,7 +23268,7 @@
           <p:nvPr/>
         </p:nvPicPr>
         <p:blipFill>
-          <a:blip r:embed="rId7">
+          <a:blip r:embed="rId8">
             <a:extLst>
               <a:ext uri="{28A0092B-C50C-407E-A947-70E740481C1C}">
                 <a14:useLocalDpi xmlns:a14="http://schemas.microsoft.com/office/drawing/2010/main" val="0"/>
@@ -23203,7 +23303,7 @@
           <p:nvPr/>
         </p:nvPicPr>
         <p:blipFill rotWithShape="1">
-          <a:blip r:embed="rId8"/>
+          <a:blip r:embed="rId9"/>
           <a:srcRect l="7999" t="70187" r="23598" b="3330"/>
           <a:stretch/>
         </p:blipFill>
@@ -23232,7 +23332,7 @@
           <p:nvPr/>
         </p:nvPicPr>
         <p:blipFill>
-          <a:blip r:embed="rId4"/>
+          <a:blip r:embed="rId5"/>
           <a:stretch>
             <a:fillRect/>
           </a:stretch>
@@ -23262,7 +23362,7 @@
           <p:nvPr/>
         </p:nvPicPr>
         <p:blipFill rotWithShape="1">
-          <a:blip r:embed="rId9"/>
+          <a:blip r:embed="rId10"/>
           <a:srcRect l="14174" t="19579" r="19866" b="33365"/>
           <a:stretch/>
         </p:blipFill>
@@ -23291,7 +23391,7 @@
           <p:nvPr/>
         </p:nvPicPr>
         <p:blipFill rotWithShape="1">
-          <a:blip r:embed="rId10"/>
+          <a:blip r:embed="rId11"/>
           <a:srcRect l="16132" t="32139" r="23942" b="35642"/>
           <a:stretch/>
         </p:blipFill>
@@ -23305,8 +23405,8 @@
           </a:prstGeom>
         </p:spPr>
       </p:pic>
-      <mc:AlternateContent xmlns:mc="http://schemas.openxmlformats.org/markup-compatibility/2006">
-        <mc:Choice xmlns:a14="http://schemas.microsoft.com/office/drawing/2010/main" Requires="a14">
+      <mc:AlternateContent xmlns:mc="http://schemas.openxmlformats.org/markup-compatibility/2006" xmlns:a14="http://schemas.microsoft.com/office/drawing/2010/main">
+        <mc:Choice Requires="a14">
           <p:sp>
             <p:nvSpPr>
               <p:cNvPr id="22" name="テキスト ボックス 21">
@@ -23335,6 +23435,7 @@
               </a:bodyPr>
               <a:lstStyle/>
               <a:p>
+                <a:pPr/>
                 <a14:m>
                   <m:oMathPara xmlns:m="http://schemas.openxmlformats.org/officeDocument/2006/math">
                     <m:oMathParaPr>
@@ -23373,7 +23474,7 @@
             </p:txBody>
           </p:sp>
         </mc:Choice>
-        <mc:Fallback>
+        <mc:Fallback xmlns="">
           <p:sp>
             <p:nvSpPr>
               <p:cNvPr id="22" name="テキスト ボックス 21">
@@ -23397,7 +23498,7 @@
                 <a:avLst/>
               </a:prstGeom>
               <a:blipFill>
-                <a:blip r:embed="rId11"/>
+                <a:blip r:embed="rId12"/>
                 <a:stretch>
                   <a:fillRect/>
                 </a:stretch>
@@ -23418,8 +23519,8 @@
           </p:sp>
         </mc:Fallback>
       </mc:AlternateContent>
-      <mc:AlternateContent xmlns:mc="http://schemas.openxmlformats.org/markup-compatibility/2006">
-        <mc:Choice xmlns:a14="http://schemas.microsoft.com/office/drawing/2010/main" Requires="a14">
+      <mc:AlternateContent xmlns:mc="http://schemas.openxmlformats.org/markup-compatibility/2006" xmlns:a14="http://schemas.microsoft.com/office/drawing/2010/main">
+        <mc:Choice Requires="a14">
           <p:sp>
             <p:nvSpPr>
               <p:cNvPr id="23" name="テキスト ボックス 22">
@@ -23448,6 +23549,7 @@
               </a:bodyPr>
               <a:lstStyle/>
               <a:p>
+                <a:pPr/>
                 <a14:m>
                   <m:oMathPara xmlns:m="http://schemas.openxmlformats.org/officeDocument/2006/math">
                     <m:oMathParaPr>
@@ -23457,7 +23559,7 @@
                       <m:sSub>
                         <m:sSubPr>
                           <m:ctrlPr>
-                            <a:rPr lang="en-US" altLang="ja-JP" sz="2400" b="0" i="0" dirty="0" smtClean="0">
+                            <a:rPr lang="en-US" altLang="ja-JP" sz="2400" b="0" i="1" dirty="0" smtClean="0">
                               <a:latin typeface="Cambria Math" panose="02040503050406030204" pitchFamily="18" charset="0"/>
                             </a:rPr>
                           </m:ctrlPr>
@@ -23529,7 +23631,7 @@
             </p:txBody>
           </p:sp>
         </mc:Choice>
-        <mc:Fallback>
+        <mc:Fallback xmlns="">
           <p:sp>
             <p:nvSpPr>
               <p:cNvPr id="23" name="テキスト ボックス 22">
@@ -23553,7 +23655,7 @@
                 <a:avLst/>
               </a:prstGeom>
               <a:blipFill>
-                <a:blip r:embed="rId12"/>
+                <a:blip r:embed="rId13"/>
                 <a:stretch>
                   <a:fillRect/>
                 </a:stretch>
@@ -24117,8 +24219,8 @@
           </a:p>
         </p:txBody>
       </p:sp>
-      <mc:AlternateContent xmlns:mc="http://schemas.openxmlformats.org/markup-compatibility/2006">
-        <mc:Choice xmlns:a14="http://schemas.microsoft.com/office/drawing/2010/main" Requires="a14">
+      <mc:AlternateContent xmlns:mc="http://schemas.openxmlformats.org/markup-compatibility/2006" xmlns:a14="http://schemas.microsoft.com/office/drawing/2010/main">
+        <mc:Choice Requires="a14">
           <p:sp>
             <p:nvSpPr>
               <p:cNvPr id="38" name="テキスト ボックス 37">
@@ -24205,7 +24307,7 @@
             </p:txBody>
           </p:sp>
         </mc:Choice>
-        <mc:Fallback>
+        <mc:Fallback xmlns="">
           <p:sp>
             <p:nvSpPr>
               <p:cNvPr id="38" name="テキスト ボックス 37">
@@ -24229,7 +24331,7 @@
                 <a:avLst/>
               </a:prstGeom>
               <a:blipFill>
-                <a:blip r:embed="rId13"/>
+                <a:blip r:embed="rId14"/>
                 <a:stretch>
                   <a:fillRect t="-17442" b="-25581"/>
                 </a:stretch>
@@ -24314,81 +24416,189 @@
           <a:chExt cx="0" cy="0"/>
         </a:xfrm>
       </p:grpSpPr>
-      <p:sp>
-        <p:nvSpPr>
-          <p:cNvPr id="6" name="テキスト ボックス 5">
-            <a:extLst>
-              <a:ext uri="{FF2B5EF4-FFF2-40B4-BE49-F238E27FC236}">
-                <a16:creationId xmlns:a16="http://schemas.microsoft.com/office/drawing/2014/main" id="{65086E03-1AF3-CECC-18D0-0FEF484A09AC}"/>
-              </a:ext>
-            </a:extLst>
-          </p:cNvPr>
-          <p:cNvSpPr txBox="1"/>
-          <p:nvPr/>
-        </p:nvSpPr>
-        <p:spPr>
-          <a:xfrm>
-            <a:off x="793849" y="1014402"/>
-            <a:ext cx="10309579" cy="523220"/>
-          </a:xfrm>
-          <a:prstGeom prst="rect">
-            <a:avLst/>
-          </a:prstGeom>
-          <a:noFill/>
-        </p:spPr>
-        <p:txBody>
-          <a:bodyPr wrap="square" rtlCol="0">
-            <a:spAutoFit/>
-          </a:bodyPr>
-          <a:lstStyle/>
-          <a:p>
-            <a:pPr marL="457200" indent="-457200">
-              <a:buFont typeface="Arial" panose="020B0604020202020204" pitchFamily="34" charset="0"/>
-              <a:buChar char="•"/>
-            </a:pPr>
-            <a:r>
-              <a:rPr lang="en-US" altLang="ja-JP" sz="2800" b="0" i="0" dirty="0">
-                <a:solidFill>
-                  <a:srgbClr val="374151"/>
-                </a:solidFill>
-                <a:effectLst/>
-                <a:latin typeface="Times New Roman" panose="02020603050405020304" pitchFamily="18" charset="0"/>
-                <a:ea typeface="BIZ UDPゴシック" panose="020B0400000000000000" pitchFamily="50" charset="-128"/>
-                <a:cs typeface="Times New Roman" panose="02020603050405020304" pitchFamily="18" charset="0"/>
-              </a:rPr>
-              <a:t>ωB97XD/6-311++G(d , p)</a:t>
-            </a:r>
-            <a:r>
-              <a:rPr lang="ja-JP" altLang="en-US" sz="2800" b="0" i="0" dirty="0">
-                <a:solidFill>
-                  <a:srgbClr val="374151"/>
-                </a:solidFill>
-                <a:effectLst/>
-                <a:latin typeface="BIZ UDPゴシック" panose="020B0400000000000000" pitchFamily="50" charset="-128"/>
-                <a:ea typeface="BIZ UDPゴシック" panose="020B0400000000000000" pitchFamily="50" charset="-128"/>
-              </a:rPr>
-              <a:t>の計算レベルを用いる</a:t>
-            </a:r>
-            <a:r>
-              <a:rPr lang="ja-JP" altLang="en-US" sz="2800" dirty="0">
-                <a:solidFill>
-                  <a:srgbClr val="374151"/>
-                </a:solidFill>
-                <a:latin typeface="BIZ UDPゴシック" panose="020B0400000000000000" pitchFamily="50" charset="-128"/>
-                <a:ea typeface="BIZ UDPゴシック" panose="020B0400000000000000" pitchFamily="50" charset="-128"/>
-              </a:rPr>
-              <a:t>。</a:t>
-            </a:r>
-            <a:endParaRPr lang="en-US" altLang="ja-JP" sz="2800" dirty="0">
-              <a:solidFill>
-                <a:srgbClr val="374151"/>
-              </a:solidFill>
-              <a:latin typeface="BIZ UDPゴシック" panose="020B0400000000000000" pitchFamily="50" charset="-128"/>
-              <a:ea typeface="BIZ UDPゴシック" panose="020B0400000000000000" pitchFamily="50" charset="-128"/>
-            </a:endParaRPr>
-          </a:p>
-        </p:txBody>
-      </p:sp>
+      <mc:AlternateContent xmlns:mc="http://schemas.openxmlformats.org/markup-compatibility/2006">
+        <mc:Choice xmlns:a14="http://schemas.microsoft.com/office/drawing/2010/main" Requires="a14">
+          <p:sp>
+            <p:nvSpPr>
+              <p:cNvPr id="6" name="テキスト ボックス 5">
+                <a:extLst>
+                  <a:ext uri="{FF2B5EF4-FFF2-40B4-BE49-F238E27FC236}">
+                    <a16:creationId xmlns:a16="http://schemas.microsoft.com/office/drawing/2014/main" id="{65086E03-1AF3-CECC-18D0-0FEF484A09AC}"/>
+                  </a:ext>
+                </a:extLst>
+              </p:cNvPr>
+              <p:cNvSpPr txBox="1"/>
+              <p:nvPr/>
+            </p:nvSpPr>
+            <p:spPr>
+              <a:xfrm>
+                <a:off x="793849" y="1014402"/>
+                <a:ext cx="10309579" cy="954107"/>
+              </a:xfrm>
+              <a:prstGeom prst="rect">
+                <a:avLst/>
+              </a:prstGeom>
+              <a:noFill/>
+            </p:spPr>
+            <p:txBody>
+              <a:bodyPr wrap="square" rtlCol="0">
+                <a:spAutoFit/>
+              </a:bodyPr>
+              <a:lstStyle/>
+              <a:p>
+                <a:pPr marL="457200" indent="-457200">
+                  <a:buFont typeface="Arial" panose="020B0604020202020204" pitchFamily="34" charset="0"/>
+                  <a:buChar char="•"/>
+                </a:pPr>
+                <a:r>
+                  <a:rPr lang="en-US" altLang="ja-JP" sz="2800" b="0" i="0" dirty="0">
+                    <a:solidFill>
+                      <a:srgbClr val="374151"/>
+                    </a:solidFill>
+                    <a:effectLst/>
+                    <a:latin typeface="Times New Roman" panose="02020603050405020304" pitchFamily="18" charset="0"/>
+                    <a:ea typeface="BIZ UDPゴシック" panose="020B0400000000000000" pitchFamily="50" charset="-128"/>
+                    <a:cs typeface="Times New Roman" panose="02020603050405020304" pitchFamily="18" charset="0"/>
+                  </a:rPr>
+                  <a:t>ωB97XD/6-311++G(d , p)</a:t>
+                </a:r>
+                <a:r>
+                  <a:rPr lang="ja-JP" altLang="en-US" sz="2800" b="0" i="0" dirty="0">
+                    <a:solidFill>
+                      <a:srgbClr val="374151"/>
+                    </a:solidFill>
+                    <a:effectLst/>
+                    <a:latin typeface="BIZ UDPゴシック" panose="020B0400000000000000" pitchFamily="50" charset="-128"/>
+                    <a:ea typeface="BIZ UDPゴシック" panose="020B0400000000000000" pitchFamily="50" charset="-128"/>
+                  </a:rPr>
+                  <a:t>の計算レベルを用いる</a:t>
+                </a:r>
+                <a:r>
+                  <a:rPr lang="ja-JP" altLang="en-US" sz="2800" dirty="0">
+                    <a:solidFill>
+                      <a:srgbClr val="374151"/>
+                    </a:solidFill>
+                    <a:latin typeface="BIZ UDPゴシック" panose="020B0400000000000000" pitchFamily="50" charset="-128"/>
+                    <a:ea typeface="BIZ UDPゴシック" panose="020B0400000000000000" pitchFamily="50" charset="-128"/>
+                  </a:rPr>
+                  <a:t>。</a:t>
+                </a:r>
+                <a:endParaRPr lang="en-US" altLang="ja-JP" sz="2800" dirty="0">
+                  <a:solidFill>
+                    <a:srgbClr val="374151"/>
+                  </a:solidFill>
+                  <a:latin typeface="BIZ UDPゴシック" panose="020B0400000000000000" pitchFamily="50" charset="-128"/>
+                  <a:ea typeface="BIZ UDPゴシック" panose="020B0400000000000000" pitchFamily="50" charset="-128"/>
+                </a:endParaRPr>
+              </a:p>
+              <a:p>
+                <a:pPr marL="457200" indent="-457200">
+                  <a:buFont typeface="Arial" panose="020B0604020202020204" pitchFamily="34" charset="0"/>
+                  <a:buChar char="•"/>
+                </a:pPr>
+                <a14:m>
+                  <m:oMath xmlns:m="http://schemas.openxmlformats.org/officeDocument/2006/math">
+                    <m:sSub>
+                      <m:sSubPr>
+                        <m:ctrlPr>
+                          <a:rPr lang="en-US" altLang="ja-JP" sz="2800" b="0" i="1" dirty="0" smtClean="0">
+                            <a:latin typeface="Cambria Math" panose="02040503050406030204" pitchFamily="18" charset="0"/>
+                          </a:rPr>
+                        </m:ctrlPr>
+                      </m:sSubPr>
+                      <m:e>
+                        <m:r>
+                          <m:rPr>
+                            <m:sty m:val="p"/>
+                          </m:rPr>
+                          <a:rPr lang="en-US" altLang="ja-JP" sz="2800" i="0" dirty="0" smtClean="0">
+                            <a:latin typeface="Cambria Math" panose="02040503050406030204" pitchFamily="18" charset="0"/>
+                          </a:rPr>
+                          <m:t>H</m:t>
+                        </m:r>
+                      </m:e>
+                      <m:sub>
+                        <m:r>
+                          <a:rPr lang="en-US" altLang="ja-JP" sz="2800" b="0" i="0" dirty="0" smtClean="0">
+                            <a:latin typeface="Cambria Math" panose="02040503050406030204" pitchFamily="18" charset="0"/>
+                          </a:rPr>
+                          <m:t>2</m:t>
+                        </m:r>
+                      </m:sub>
+                    </m:sSub>
+                    <m:r>
+                      <m:rPr>
+                        <m:sty m:val="p"/>
+                      </m:rPr>
+                      <a:rPr lang="en-US" altLang="ja-JP" sz="2800" i="0" dirty="0" smtClean="0">
+                        <a:latin typeface="Cambria Math" panose="02040503050406030204" pitchFamily="18" charset="0"/>
+                      </a:rPr>
+                      <m:t>O</m:t>
+                    </m:r>
+                  </m:oMath>
+                </a14:m>
+                <a:r>
+                  <a:rPr lang="ja-JP" altLang="en-US" sz="2800" dirty="0">
+                    <a:latin typeface="Times New Roman" panose="02020603050405020304" pitchFamily="18" charset="0"/>
+                    <a:ea typeface="BIZ UDPゴシック" panose="020B0400000000000000" pitchFamily="50" charset="-128"/>
+                    <a:cs typeface="Times New Roman" panose="02020603050405020304" pitchFamily="18" charset="0"/>
+                  </a:rPr>
+                  <a:t>分子を加えると、活性化エネルギーが上がった</a:t>
+                </a:r>
+                <a:endParaRPr lang="en-US" altLang="ja-JP" sz="2800" dirty="0">
+                  <a:latin typeface="Times New Roman" panose="02020603050405020304" pitchFamily="18" charset="0"/>
+                  <a:ea typeface="BIZ UDPゴシック" panose="020B0400000000000000" pitchFamily="50" charset="-128"/>
+                  <a:cs typeface="Times New Roman" panose="02020603050405020304" pitchFamily="18" charset="0"/>
+                </a:endParaRPr>
+              </a:p>
+            </p:txBody>
+          </p:sp>
+        </mc:Choice>
+        <mc:Fallback>
+          <p:sp>
+            <p:nvSpPr>
+              <p:cNvPr id="6" name="テキスト ボックス 5">
+                <a:extLst>
+                  <a:ext uri="{FF2B5EF4-FFF2-40B4-BE49-F238E27FC236}">
+                    <a16:creationId xmlns:a16="http://schemas.microsoft.com/office/drawing/2014/main" id="{65086E03-1AF3-CECC-18D0-0FEF484A09AC}"/>
+                  </a:ext>
+                </a:extLst>
+              </p:cNvPr>
+              <p:cNvSpPr txBox="1">
+                <a:spLocks noRot="1" noChangeAspect="1" noMove="1" noResize="1" noEditPoints="1" noAdjustHandles="1" noChangeArrowheads="1" noChangeShapeType="1" noTextEdit="1"/>
+              </p:cNvSpPr>
+              <p:nvPr/>
+            </p:nvSpPr>
+            <p:spPr>
+              <a:xfrm>
+                <a:off x="793849" y="1014402"/>
+                <a:ext cx="10309579" cy="954107"/>
+              </a:xfrm>
+              <a:prstGeom prst="rect">
+                <a:avLst/>
+              </a:prstGeom>
+              <a:blipFill>
+                <a:blip r:embed="rId3"/>
+                <a:stretch>
+                  <a:fillRect l="-1064" t="-9554" b="-13376"/>
+                </a:stretch>
+              </a:blipFill>
+            </p:spPr>
+            <p:txBody>
+              <a:bodyPr/>
+              <a:lstStyle/>
+              <a:p>
+                <a:r>
+                  <a:rPr lang="ja-JP" altLang="en-US">
+                    <a:noFill/>
+                  </a:rPr>
+                  <a:t> </a:t>
+                </a:r>
+              </a:p>
+            </p:txBody>
+          </p:sp>
+        </mc:Fallback>
+      </mc:AlternateContent>
       <p:sp>
         <p:nvSpPr>
           <p:cNvPr id="3" name="テキスト ボックス 2">
@@ -24404,7 +24614,7 @@
         <p:spPr>
           <a:xfrm>
             <a:off x="793850" y="220961"/>
-            <a:ext cx="2492990" cy="646331"/>
+            <a:ext cx="1531188" cy="646331"/>
           </a:xfrm>
           <a:prstGeom prst="rect">
             <a:avLst/>
@@ -24429,7 +24639,7 @@
                 <a:latin typeface="BIZ UDPゴシック" panose="020B0400000000000000" pitchFamily="50" charset="-128"/>
                 <a:ea typeface="BIZ UDPゴシック" panose="020B0400000000000000" pitchFamily="50" charset="-128"/>
               </a:rPr>
-              <a:t>今後の予定</a:t>
+              <a:t>まとめ</a:t>
             </a:r>
             <a:endParaRPr lang="en-US" altLang="ja-JP" sz="3600" b="1" dirty="0">
               <a:effectLst>
@@ -24459,7 +24669,7 @@
         </p:nvSpPr>
         <p:spPr>
           <a:xfrm>
-            <a:off x="1363473" y="4143381"/>
+            <a:off x="1363473" y="4358067"/>
             <a:ext cx="3612928" cy="1992430"/>
           </a:xfrm>
           <a:prstGeom prst="roundRect">
@@ -24513,7 +24723,7 @@
         </p:nvSpPr>
         <p:spPr>
           <a:xfrm>
-            <a:off x="1807624" y="4627091"/>
+            <a:off x="1807624" y="4841777"/>
             <a:ext cx="763051" cy="707886"/>
           </a:xfrm>
           <a:prstGeom prst="flowChartConnector">
@@ -24586,7 +24796,7 @@
         </p:nvSpPr>
         <p:spPr>
           <a:xfrm>
-            <a:off x="886466" y="3889799"/>
+            <a:off x="886466" y="4104485"/>
             <a:ext cx="2031325" cy="461665"/>
           </a:xfrm>
           <a:prstGeom prst="roundRect">
@@ -24647,7 +24857,7 @@
         </p:nvSpPr>
         <p:spPr>
           <a:xfrm>
-            <a:off x="3769905" y="4627091"/>
+            <a:off x="3769905" y="4841777"/>
             <a:ext cx="763051" cy="707886"/>
           </a:xfrm>
           <a:prstGeom prst="flowChartConnector">
@@ -24722,7 +24932,7 @@
         </p:nvCxnSpPr>
         <p:spPr>
           <a:xfrm>
-            <a:off x="2715718" y="4971805"/>
+            <a:off x="2715718" y="5186491"/>
             <a:ext cx="914400" cy="0"/>
           </a:xfrm>
           <a:prstGeom prst="straightConnector1">
@@ -24766,7 +24976,7 @@
         </p:nvSpPr>
         <p:spPr>
           <a:xfrm>
-            <a:off x="3011879" y="4634776"/>
+            <a:off x="3011879" y="4849462"/>
             <a:ext cx="618239" cy="707886"/>
           </a:xfrm>
           <a:prstGeom prst="rect">
@@ -24812,7 +25022,7 @@
         </p:nvSpPr>
         <p:spPr>
           <a:xfrm>
-            <a:off x="2095243" y="5435653"/>
+            <a:off x="2095243" y="5650339"/>
             <a:ext cx="2322893" cy="523220"/>
           </a:xfrm>
           <a:prstGeom prst="rect">
@@ -24861,7 +25071,7 @@
         </p:nvSpPr>
         <p:spPr>
           <a:xfrm>
-            <a:off x="6670764" y="4143381"/>
+            <a:off x="6670764" y="4358067"/>
             <a:ext cx="3612928" cy="1992430"/>
           </a:xfrm>
           <a:prstGeom prst="roundRect">
@@ -24915,7 +25125,7 @@
         </p:nvSpPr>
         <p:spPr>
           <a:xfrm>
-            <a:off x="7114915" y="4627091"/>
+            <a:off x="7114915" y="4841777"/>
             <a:ext cx="763051" cy="707886"/>
           </a:xfrm>
           <a:prstGeom prst="flowChartConnector">
@@ -24988,7 +25198,7 @@
         </p:nvSpPr>
         <p:spPr>
           <a:xfrm>
-            <a:off x="6193757" y="3889799"/>
+            <a:off x="6193757" y="4104485"/>
             <a:ext cx="2031325" cy="461665"/>
           </a:xfrm>
           <a:prstGeom prst="roundRect">
@@ -25056,7 +25266,7 @@
         </p:nvSpPr>
         <p:spPr>
           <a:xfrm>
-            <a:off x="9077196" y="4627091"/>
+            <a:off x="9077196" y="4841777"/>
             <a:ext cx="763051" cy="707886"/>
           </a:xfrm>
           <a:prstGeom prst="flowChartConnector">
@@ -25131,7 +25341,7 @@
         </p:nvCxnSpPr>
         <p:spPr>
           <a:xfrm>
-            <a:off x="8023009" y="4971805"/>
+            <a:off x="8023009" y="5186491"/>
             <a:ext cx="914400" cy="0"/>
           </a:xfrm>
           <a:prstGeom prst="straightConnector1">
@@ -25175,7 +25385,7 @@
         </p:nvSpPr>
         <p:spPr>
           <a:xfrm>
-            <a:off x="8354783" y="4634776"/>
+            <a:off x="8354783" y="4849462"/>
             <a:ext cx="618239" cy="707886"/>
           </a:xfrm>
           <a:prstGeom prst="rect">
@@ -25221,7 +25431,7 @@
         </p:nvSpPr>
         <p:spPr>
           <a:xfrm>
-            <a:off x="7402534" y="5435653"/>
+            <a:off x="7402534" y="5650339"/>
             <a:ext cx="2322893" cy="523220"/>
           </a:xfrm>
           <a:prstGeom prst="rect">
@@ -25258,10 +25468,10 @@
       </p:sp>
       <p:sp>
         <p:nvSpPr>
-          <p:cNvPr id="39" name="テキスト ボックス 38">
-            <a:extLst>
-              <a:ext uri="{FF2B5EF4-FFF2-40B4-BE49-F238E27FC236}">
-                <a16:creationId xmlns:a16="http://schemas.microsoft.com/office/drawing/2014/main" id="{BDE5F1CB-D084-84EF-0764-129DB8BB8B91}"/>
+          <p:cNvPr id="41" name="テキスト ボックス 40">
+            <a:extLst>
+              <a:ext uri="{FF2B5EF4-FFF2-40B4-BE49-F238E27FC236}">
+                <a16:creationId xmlns:a16="http://schemas.microsoft.com/office/drawing/2014/main" id="{FE2024CA-92CD-AD3C-BA70-74BC3DE426E9}"/>
               </a:ext>
             </a:extLst>
           </p:cNvPr>
@@ -25270,8 +25480,8 @@
         </p:nvSpPr>
         <p:spPr>
           <a:xfrm>
-            <a:off x="793849" y="1761522"/>
-            <a:ext cx="9209788" cy="461665"/>
+            <a:off x="793849" y="2590204"/>
+            <a:ext cx="9209788" cy="1200329"/>
           </a:xfrm>
           <a:prstGeom prst="rect">
             <a:avLst/>
@@ -25299,37 +25509,15 @@
               </a:rPr>
               <a:t>氷表面を作り、計算を行う</a:t>
             </a:r>
-            <a:endParaRPr kumimoji="1" lang="ja-JP" altLang="en-US" sz="2400" dirty="0"/>
-          </a:p>
-        </p:txBody>
-      </p:sp>
-      <p:sp>
-        <p:nvSpPr>
-          <p:cNvPr id="41" name="テキスト ボックス 40">
-            <a:extLst>
-              <a:ext uri="{FF2B5EF4-FFF2-40B4-BE49-F238E27FC236}">
-                <a16:creationId xmlns:a16="http://schemas.microsoft.com/office/drawing/2014/main" id="{FE2024CA-92CD-AD3C-BA70-74BC3DE426E9}"/>
-              </a:ext>
-            </a:extLst>
-          </p:cNvPr>
-          <p:cNvSpPr txBox="1"/>
-          <p:nvPr/>
-        </p:nvSpPr>
-        <p:spPr>
-          <a:xfrm>
-            <a:off x="793849" y="2447086"/>
-            <a:ext cx="9209788" cy="830997"/>
-          </a:xfrm>
-          <a:prstGeom prst="rect">
-            <a:avLst/>
-          </a:prstGeom>
-          <a:noFill/>
-        </p:spPr>
-        <p:txBody>
-          <a:bodyPr wrap="square" rtlCol="0">
-            <a:spAutoFit/>
-          </a:bodyPr>
-          <a:lstStyle/>
+            <a:endParaRPr lang="en-US" altLang="ja-JP" sz="2400" b="0" i="0" dirty="0">
+              <a:solidFill>
+                <a:srgbClr val="374151"/>
+              </a:solidFill>
+              <a:effectLst/>
+              <a:latin typeface="BIZ UDPゴシック" panose="020B0400000000000000" pitchFamily="50" charset="-128"/>
+              <a:ea typeface="BIZ UDPゴシック" panose="020B0400000000000000" pitchFamily="50" charset="-128"/>
+            </a:endParaRPr>
+          </a:p>
           <a:p>
             <a:pPr marL="342900" indent="-342900">
               <a:buFont typeface="Arial" panose="020B0604020202020204" pitchFamily="34" charset="0"/>
@@ -25479,6 +25667,62 @@
               <a:t>9</a:t>
             </a:fld>
             <a:endParaRPr kumimoji="1" lang="ja-JP" altLang="en-US" sz="2800" b="1"/>
+          </a:p>
+        </p:txBody>
+      </p:sp>
+      <p:sp>
+        <p:nvSpPr>
+          <p:cNvPr id="4" name="テキスト ボックス 3">
+            <a:extLst>
+              <a:ext uri="{FF2B5EF4-FFF2-40B4-BE49-F238E27FC236}">
+                <a16:creationId xmlns:a16="http://schemas.microsoft.com/office/drawing/2014/main" id="{4822E684-ABA6-485D-E9B8-9B6AAECE0CF7}"/>
+              </a:ext>
+            </a:extLst>
+          </p:cNvPr>
+          <p:cNvSpPr txBox="1"/>
+          <p:nvPr/>
+        </p:nvSpPr>
+        <p:spPr>
+          <a:xfrm>
+            <a:off x="763699" y="1915842"/>
+            <a:ext cx="2492990" cy="646331"/>
+          </a:xfrm>
+          <a:prstGeom prst="rect">
+            <a:avLst/>
+          </a:prstGeom>
+          <a:noFill/>
+        </p:spPr>
+        <p:txBody>
+          <a:bodyPr wrap="none" rtlCol="0">
+            <a:spAutoFit/>
+          </a:bodyPr>
+          <a:lstStyle/>
+          <a:p>
+            <a:r>
+              <a:rPr lang="ja-JP" altLang="en-US" sz="3600" b="1" dirty="0">
+                <a:effectLst>
+                  <a:outerShdw blurRad="38100" dist="38100" dir="2700000" algn="tl">
+                    <a:srgbClr val="000000">
+                      <a:alpha val="43137"/>
+                    </a:srgbClr>
+                  </a:outerShdw>
+                </a:effectLst>
+                <a:latin typeface="BIZ UDPゴシック" panose="020B0400000000000000" pitchFamily="50" charset="-128"/>
+                <a:ea typeface="BIZ UDPゴシック" panose="020B0400000000000000" pitchFamily="50" charset="-128"/>
+              </a:rPr>
+              <a:t>今後の予定</a:t>
+            </a:r>
+            <a:endParaRPr lang="en-US" altLang="ja-JP" sz="3600" b="1" dirty="0">
+              <a:effectLst>
+                <a:outerShdw blurRad="38100" dist="38100" dir="2700000" algn="tl">
+                  <a:srgbClr val="000000">
+                    <a:alpha val="43137"/>
+                  </a:srgbClr>
+                </a:outerShdw>
+              </a:effectLst>
+              <a:latin typeface="BIZ UDPゴシック" panose="020B0400000000000000" pitchFamily="50" charset="-128"/>
+              <a:ea typeface="BIZ UDPゴシック" panose="020B0400000000000000" pitchFamily="50" charset="-128"/>
+            </a:endParaRPr>
           </a:p>
         </p:txBody>
       </p:sp>

--- a/20231209(1).pptx
+++ b/20231209(1).pptx
@@ -3928,7 +3928,7 @@
   <pc:docChgLst>
     <pc:chgData name="明阳 阮" userId="a4dcf2889a22c6f9" providerId="LiveId" clId="{28B77DC3-1BDE-41AE-A96E-CA10BA68E48B}"/>
     <pc:docChg chg="undo custSel addSld delSld modSld sldOrd">
-      <pc:chgData name="明阳 阮" userId="a4dcf2889a22c6f9" providerId="LiveId" clId="{28B77DC3-1BDE-41AE-A96E-CA10BA68E48B}" dt="2023-12-06T12:10:22.396" v="5603" actId="1036"/>
+      <pc:chgData name="明阳 阮" userId="a4dcf2889a22c6f9" providerId="LiveId" clId="{28B77DC3-1BDE-41AE-A96E-CA10BA68E48B}" dt="2023-12-06T12:19:29.330" v="5880" actId="20577"/>
       <pc:docMkLst>
         <pc:docMk/>
       </pc:docMkLst>
@@ -4161,19 +4161,27 @@
         </pc:spChg>
       </pc:sldChg>
       <pc:sldChg chg="addSp delSp modSp mod ord modNotesTx">
-        <pc:chgData name="明阳 阮" userId="a4dcf2889a22c6f9" providerId="LiveId" clId="{28B77DC3-1BDE-41AE-A96E-CA10BA68E48B}" dt="2023-12-06T12:02:11.874" v="5509" actId="1035"/>
+        <pc:chgData name="明阳 阮" userId="a4dcf2889a22c6f9" providerId="LiveId" clId="{28B77DC3-1BDE-41AE-A96E-CA10BA68E48B}" dt="2023-12-06T12:19:29.330" v="5880" actId="20577"/>
         <pc:sldMkLst>
           <pc:docMk/>
           <pc:sldMk cId="350706535" sldId="268"/>
         </pc:sldMkLst>
         <pc:spChg chg="mod">
-          <ac:chgData name="明阳 阮" userId="a4dcf2889a22c6f9" providerId="LiveId" clId="{28B77DC3-1BDE-41AE-A96E-CA10BA68E48B}" dt="2023-12-06T12:02:11.874" v="5509" actId="1035"/>
+          <ac:chgData name="明阳 阮" userId="a4dcf2889a22c6f9" providerId="LiveId" clId="{28B77DC3-1BDE-41AE-A96E-CA10BA68E48B}" dt="2023-12-06T12:12:45.002" v="5708" actId="1035"/>
           <ac:spMkLst>
             <pc:docMk/>
             <pc:sldMk cId="350706535" sldId="268"/>
             <ac:spMk id="2" creationId="{9F45FBE3-E121-00DE-62AC-5EAE8E7642BF}"/>
           </ac:spMkLst>
         </pc:spChg>
+        <pc:spChg chg="add mod">
+          <ac:chgData name="明阳 阮" userId="a4dcf2889a22c6f9" providerId="LiveId" clId="{28B77DC3-1BDE-41AE-A96E-CA10BA68E48B}" dt="2023-12-06T12:14:00.071" v="5765" actId="20577"/>
+          <ac:spMkLst>
+            <pc:docMk/>
+            <pc:sldMk cId="350706535" sldId="268"/>
+            <ac:spMk id="3" creationId="{6E20A10B-E766-73C3-2F96-8D81116086C3}"/>
+          </ac:spMkLst>
+        </pc:spChg>
         <pc:spChg chg="del">
           <ac:chgData name="明阳 阮" userId="a4dcf2889a22c6f9" providerId="LiveId" clId="{28B77DC3-1BDE-41AE-A96E-CA10BA68E48B}" dt="2023-12-06T11:48:03.539" v="5450" actId="478"/>
           <ac:spMkLst>
@@ -4183,13 +4191,29 @@
           </ac:spMkLst>
         </pc:spChg>
         <pc:spChg chg="mod">
-          <ac:chgData name="明阳 阮" userId="a4dcf2889a22c6f9" providerId="LiveId" clId="{28B77DC3-1BDE-41AE-A96E-CA10BA68E48B}" dt="2023-12-06T12:02:11.874" v="5509" actId="1035"/>
+          <ac:chgData name="明阳 阮" userId="a4dcf2889a22c6f9" providerId="LiveId" clId="{28B77DC3-1BDE-41AE-A96E-CA10BA68E48B}" dt="2023-12-06T12:12:32.719" v="5645" actId="1036"/>
           <ac:spMkLst>
             <pc:docMk/>
             <pc:sldMk cId="350706535" sldId="268"/>
             <ac:spMk id="4" creationId="{2EEEA8F0-FD55-BD66-AD5C-A0828E0A0DFE}"/>
           </ac:spMkLst>
         </pc:spChg>
+        <pc:spChg chg="mod">
+          <ac:chgData name="明阳 阮" userId="a4dcf2889a22c6f9" providerId="LiveId" clId="{28B77DC3-1BDE-41AE-A96E-CA10BA68E48B}" dt="2023-12-06T12:17:31.656" v="5876" actId="20577"/>
+          <ac:spMkLst>
+            <pc:docMk/>
+            <pc:sldMk cId="350706535" sldId="268"/>
+            <ac:spMk id="5" creationId="{F128A97E-CDFB-48F2-67BF-84D159D7E898}"/>
+          </ac:spMkLst>
+        </pc:spChg>
+        <pc:spChg chg="mod">
+          <ac:chgData name="明阳 阮" userId="a4dcf2889a22c6f9" providerId="LiveId" clId="{28B77DC3-1BDE-41AE-A96E-CA10BA68E48B}" dt="2023-12-06T12:19:29.330" v="5880" actId="20577"/>
+          <ac:spMkLst>
+            <pc:docMk/>
+            <pc:sldMk cId="350706535" sldId="268"/>
+            <ac:spMk id="6" creationId="{1D479A8A-028B-E144-2DA3-8724DB020E39}"/>
+          </ac:spMkLst>
+        </pc:spChg>
         <pc:spChg chg="add del mod">
           <ac:chgData name="明阳 阮" userId="a4dcf2889a22c6f9" providerId="LiveId" clId="{28B77DC3-1BDE-41AE-A96E-CA10BA68E48B}" dt="2023-12-06T07:48:08.069" v="821" actId="21"/>
           <ac:spMkLst>
@@ -4204,6 +4228,22 @@
             <pc:docMk/>
             <pc:sldMk cId="350706535" sldId="268"/>
             <ac:spMk id="7" creationId="{B9246905-75B6-9D15-D3BD-83002B459768}"/>
+          </ac:spMkLst>
+        </pc:spChg>
+        <pc:spChg chg="add mod">
+          <ac:chgData name="明阳 阮" userId="a4dcf2889a22c6f9" providerId="LiveId" clId="{28B77DC3-1BDE-41AE-A96E-CA10BA68E48B}" dt="2023-12-06T12:14:27.039" v="5859" actId="20577"/>
+          <ac:spMkLst>
+            <pc:docMk/>
+            <pc:sldMk cId="350706535" sldId="268"/>
+            <ac:spMk id="8" creationId="{E6885585-300C-C095-1D84-391F26824755}"/>
+          </ac:spMkLst>
+        </pc:spChg>
+        <pc:spChg chg="add mod ord">
+          <ac:chgData name="明阳 阮" userId="a4dcf2889a22c6f9" providerId="LiveId" clId="{28B77DC3-1BDE-41AE-A96E-CA10BA68E48B}" dt="2023-12-06T12:19:16.060" v="5879" actId="207"/>
+          <ac:spMkLst>
+            <pc:docMk/>
+            <pc:sldMk cId="350706535" sldId="268"/>
+            <ac:spMk id="9" creationId="{2A300F2E-301D-B72C-EBBC-7E25FD50FF8F}"/>
           </ac:spMkLst>
         </pc:spChg>
       </pc:sldChg>
@@ -20374,6 +20414,58 @@
       </p:grpSpPr>
       <p:sp>
         <p:nvSpPr>
+          <p:cNvPr id="9" name="正方形/長方形 8">
+            <a:extLst>
+              <a:ext uri="{FF2B5EF4-FFF2-40B4-BE49-F238E27FC236}">
+                <a16:creationId xmlns:a16="http://schemas.microsoft.com/office/drawing/2014/main" id="{2A300F2E-301D-B72C-EBBC-7E25FD50FF8F}"/>
+              </a:ext>
+            </a:extLst>
+          </p:cNvPr>
+          <p:cNvSpPr/>
+          <p:nvPr/>
+        </p:nvSpPr>
+        <p:spPr>
+          <a:xfrm>
+            <a:off x="636104" y="220961"/>
+            <a:ext cx="10575235" cy="1544229"/>
+          </a:xfrm>
+          <a:prstGeom prst="rect">
+            <a:avLst/>
+          </a:prstGeom>
+          <a:solidFill>
+            <a:schemeClr val="accent1">
+              <a:lumMod val="60000"/>
+              <a:lumOff val="40000"/>
+            </a:schemeClr>
+          </a:solidFill>
+        </p:spPr>
+        <p:style>
+          <a:lnRef idx="2">
+            <a:schemeClr val="accent1">
+              <a:shade val="15000"/>
+            </a:schemeClr>
+          </a:lnRef>
+          <a:fillRef idx="1">
+            <a:schemeClr val="accent1"/>
+          </a:fillRef>
+          <a:effectRef idx="0">
+            <a:schemeClr val="accent1"/>
+          </a:effectRef>
+          <a:fontRef idx="minor">
+            <a:schemeClr val="lt1"/>
+          </a:fontRef>
+        </p:style>
+        <p:txBody>
+          <a:bodyPr rtlCol="0" anchor="ctr"/>
+          <a:lstStyle/>
+          <a:p>
+            <a:pPr algn="ctr"/>
+            <a:endParaRPr kumimoji="1" lang="ja-JP" altLang="en-US"/>
+          </a:p>
+        </p:txBody>
+      </p:sp>
+      <p:sp>
+        <p:nvSpPr>
           <p:cNvPr id="2" name="テキスト ボックス 1">
             <a:extLst>
               <a:ext uri="{FF2B5EF4-FFF2-40B4-BE49-F238E27FC236}">
@@ -20386,7 +20478,7 @@
         </p:nvSpPr>
         <p:spPr>
           <a:xfrm>
-            <a:off x="793850" y="2489783"/>
+            <a:off x="793850" y="4612783"/>
             <a:ext cx="2031325" cy="646331"/>
           </a:xfrm>
           <a:prstGeom prst="rect">
@@ -20442,7 +20534,7 @@
         </p:nvSpPr>
         <p:spPr>
           <a:xfrm>
-            <a:off x="793850" y="3241968"/>
+            <a:off x="793850" y="5277502"/>
             <a:ext cx="7995842" cy="954107"/>
           </a:xfrm>
           <a:prstGeom prst="rect">
@@ -20534,7 +20626,7 @@
         <p:spPr>
           <a:xfrm>
             <a:off x="793850" y="220961"/>
-            <a:ext cx="1107996" cy="646331"/>
+            <a:ext cx="2031325" cy="646331"/>
           </a:xfrm>
           <a:prstGeom prst="rect">
             <a:avLst/>
@@ -20559,7 +20651,7 @@
                 <a:latin typeface="BIZ UDPゴシック" panose="020B0400000000000000" pitchFamily="50" charset="-128"/>
                 <a:ea typeface="BIZ UDPゴシック" panose="020B0400000000000000" pitchFamily="50" charset="-128"/>
               </a:rPr>
-              <a:t>目的</a:t>
+              <a:t>研究目的</a:t>
             </a:r>
             <a:endParaRPr kumimoji="1" lang="ja-JP" altLang="en-US" sz="3600" b="1" dirty="0">
               <a:effectLst>
@@ -20605,7 +20697,7 @@
           <a:p>
             <a:r>
               <a:rPr lang="ja-JP" altLang="en-US" sz="2800" b="1" dirty="0"/>
-              <a:t>氷表面でのメタノール生成過程における重水素濃縮の解明</a:t>
+              <a:t>氷表面のメタノール生成過程における重水素濃縮の解明</a:t>
             </a:r>
             <a:endParaRPr lang="en-US" altLang="ja-JP" sz="2800" b="1" dirty="0"/>
           </a:p>
@@ -20642,6 +20734,95 @@
               <a:t>5</a:t>
             </a:fld>
             <a:endParaRPr kumimoji="1" lang="ja-JP" altLang="en-US" sz="2800" b="1"/>
+          </a:p>
+        </p:txBody>
+      </p:sp>
+      <p:sp>
+        <p:nvSpPr>
+          <p:cNvPr id="3" name="テキスト ボックス 2">
+            <a:extLst>
+              <a:ext uri="{FF2B5EF4-FFF2-40B4-BE49-F238E27FC236}">
+                <a16:creationId xmlns:a16="http://schemas.microsoft.com/office/drawing/2014/main" id="{6E20A10B-E766-73C3-2F96-8D81116086C3}"/>
+              </a:ext>
+            </a:extLst>
+          </p:cNvPr>
+          <p:cNvSpPr txBox="1"/>
+          <p:nvPr/>
+        </p:nvSpPr>
+        <p:spPr>
+          <a:xfrm>
+            <a:off x="793849" y="2010241"/>
+            <a:ext cx="2492990" cy="646331"/>
+          </a:xfrm>
+          <a:prstGeom prst="rect">
+            <a:avLst/>
+          </a:prstGeom>
+          <a:noFill/>
+        </p:spPr>
+        <p:txBody>
+          <a:bodyPr wrap="none" rtlCol="0">
+            <a:spAutoFit/>
+          </a:bodyPr>
+          <a:lstStyle/>
+          <a:p>
+            <a:r>
+              <a:rPr kumimoji="1" lang="ja-JP" altLang="en-US" sz="3600" b="1" dirty="0">
+                <a:effectLst>
+                  <a:outerShdw blurRad="38100" dist="38100" dir="2700000" algn="tl">
+                    <a:srgbClr val="000000">
+                      <a:alpha val="43137"/>
+                    </a:srgbClr>
+                  </a:outerShdw>
+                </a:effectLst>
+                <a:latin typeface="BIZ UDPゴシック" panose="020B0400000000000000" pitchFamily="50" charset="-128"/>
+                <a:ea typeface="BIZ UDPゴシック" panose="020B0400000000000000" pitchFamily="50" charset="-128"/>
+              </a:rPr>
+              <a:t>今回の流れ</a:t>
+            </a:r>
+          </a:p>
+        </p:txBody>
+      </p:sp>
+      <p:sp>
+        <p:nvSpPr>
+          <p:cNvPr id="8" name="テキスト ボックス 7">
+            <a:extLst>
+              <a:ext uri="{FF2B5EF4-FFF2-40B4-BE49-F238E27FC236}">
+                <a16:creationId xmlns:a16="http://schemas.microsoft.com/office/drawing/2014/main" id="{E6885585-300C-C095-1D84-391F26824755}"/>
+              </a:ext>
+            </a:extLst>
+          </p:cNvPr>
+          <p:cNvSpPr txBox="1"/>
+          <p:nvPr/>
+        </p:nvSpPr>
+        <p:spPr>
+          <a:xfrm>
+            <a:off x="793850" y="2808564"/>
+            <a:ext cx="7995842" cy="523220"/>
+          </a:xfrm>
+          <a:prstGeom prst="rect">
+            <a:avLst/>
+          </a:prstGeom>
+          <a:noFill/>
+        </p:spPr>
+        <p:txBody>
+          <a:bodyPr wrap="square" rtlCol="0">
+            <a:spAutoFit/>
+          </a:bodyPr>
+          <a:lstStyle/>
+          <a:p>
+            <a:r>
+              <a:rPr lang="ja-JP" altLang="en-US" sz="2800" dirty="0">
+                <a:latin typeface="Times New Roman" panose="02020603050405020304" pitchFamily="18" charset="0"/>
+                <a:ea typeface="BIZ UDPゴシック" panose="020B0400000000000000" pitchFamily="50" charset="-128"/>
+                <a:cs typeface="Times New Roman" panose="02020603050405020304" pitchFamily="18" charset="0"/>
+              </a:rPr>
+              <a:t>最適な汎関数と基底関数を調べる</a:t>
+            </a:r>
+            <a:endParaRPr lang="en-US" altLang="ja-JP" sz="2800" dirty="0">
+              <a:latin typeface="Times New Roman" panose="02020603050405020304" pitchFamily="18" charset="0"/>
+              <a:ea typeface="BIZ UDPゴシック" panose="020B0400000000000000" pitchFamily="50" charset="-128"/>
+              <a:cs typeface="Times New Roman" panose="02020603050405020304" pitchFamily="18" charset="0"/>
+            </a:endParaRPr>
           </a:p>
         </p:txBody>
       </p:sp>
@@ -24416,8 +24597,8 @@
           <a:chExt cx="0" cy="0"/>
         </a:xfrm>
       </p:grpSpPr>
-      <mc:AlternateContent xmlns:mc="http://schemas.openxmlformats.org/markup-compatibility/2006">
-        <mc:Choice xmlns:a14="http://schemas.microsoft.com/office/drawing/2010/main" Requires="a14">
+      <mc:AlternateContent xmlns:mc="http://schemas.openxmlformats.org/markup-compatibility/2006" xmlns:a14="http://schemas.microsoft.com/office/drawing/2010/main">
+        <mc:Choice Requires="a14">
           <p:sp>
             <p:nvSpPr>
               <p:cNvPr id="6" name="テキスト ボックス 5">
@@ -24554,7 +24735,7 @@
             </p:txBody>
           </p:sp>
         </mc:Choice>
-        <mc:Fallback>
+        <mc:Fallback xmlns="">
           <p:sp>
             <p:nvSpPr>
               <p:cNvPr id="6" name="テキスト ボックス 5">

--- a/20231209(1).pptx
+++ b/20231209(1).pptx
@@ -3928,7 +3928,7 @@
   <pc:docChgLst>
     <pc:chgData name="明阳 阮" userId="a4dcf2889a22c6f9" providerId="LiveId" clId="{28B77DC3-1BDE-41AE-A96E-CA10BA68E48B}"/>
     <pc:docChg chg="undo custSel addSld delSld modSld sldOrd">
-      <pc:chgData name="明阳 阮" userId="a4dcf2889a22c6f9" providerId="LiveId" clId="{28B77DC3-1BDE-41AE-A96E-CA10BA68E48B}" dt="2023-12-06T12:19:29.330" v="5880" actId="20577"/>
+      <pc:chgData name="明阳 阮" userId="a4dcf2889a22c6f9" providerId="LiveId" clId="{28B77DC3-1BDE-41AE-A96E-CA10BA68E48B}" dt="2023-12-06T12:31:30.093" v="6154" actId="14100"/>
       <pc:docMkLst>
         <pc:docMk/>
       </pc:docMkLst>
@@ -4161,7 +4161,7 @@
         </pc:spChg>
       </pc:sldChg>
       <pc:sldChg chg="addSp delSp modSp mod ord modNotesTx">
-        <pc:chgData name="明阳 阮" userId="a4dcf2889a22c6f9" providerId="LiveId" clId="{28B77DC3-1BDE-41AE-A96E-CA10BA68E48B}" dt="2023-12-06T12:19:29.330" v="5880" actId="20577"/>
+        <pc:chgData name="明阳 阮" userId="a4dcf2889a22c6f9" providerId="LiveId" clId="{28B77DC3-1BDE-41AE-A96E-CA10BA68E48B}" dt="2023-12-06T12:31:30.093" v="6154" actId="14100"/>
         <pc:sldMkLst>
           <pc:docMk/>
           <pc:sldMk cId="350706535" sldId="268"/>
@@ -4174,8 +4174,8 @@
             <ac:spMk id="2" creationId="{9F45FBE3-E121-00DE-62AC-5EAE8E7642BF}"/>
           </ac:spMkLst>
         </pc:spChg>
-        <pc:spChg chg="add mod">
-          <ac:chgData name="明阳 阮" userId="a4dcf2889a22c6f9" providerId="LiveId" clId="{28B77DC3-1BDE-41AE-A96E-CA10BA68E48B}" dt="2023-12-06T12:14:00.071" v="5765" actId="20577"/>
+        <pc:spChg chg="add del mod">
+          <ac:chgData name="明阳 阮" userId="a4dcf2889a22c6f9" providerId="LiveId" clId="{28B77DC3-1BDE-41AE-A96E-CA10BA68E48B}" dt="2023-12-06T12:27:01.499" v="5898" actId="478"/>
           <ac:spMkLst>
             <pc:docMk/>
             <pc:sldMk cId="350706535" sldId="268"/>
@@ -4207,7 +4207,7 @@
           </ac:spMkLst>
         </pc:spChg>
         <pc:spChg chg="mod">
-          <ac:chgData name="明阳 阮" userId="a4dcf2889a22c6f9" providerId="LiveId" clId="{28B77DC3-1BDE-41AE-A96E-CA10BA68E48B}" dt="2023-12-06T12:19:29.330" v="5880" actId="20577"/>
+          <ac:chgData name="明阳 阮" userId="a4dcf2889a22c6f9" providerId="LiveId" clId="{28B77DC3-1BDE-41AE-A96E-CA10BA68E48B}" dt="2023-12-06T12:26:08.877" v="5894" actId="1036"/>
           <ac:spMkLst>
             <pc:docMk/>
             <pc:sldMk cId="350706535" sldId="268"/>
@@ -4231,7 +4231,7 @@
           </ac:spMkLst>
         </pc:spChg>
         <pc:spChg chg="add mod">
-          <ac:chgData name="明阳 阮" userId="a4dcf2889a22c6f9" providerId="LiveId" clId="{28B77DC3-1BDE-41AE-A96E-CA10BA68E48B}" dt="2023-12-06T12:14:27.039" v="5859" actId="20577"/>
+          <ac:chgData name="明阳 阮" userId="a4dcf2889a22c6f9" providerId="LiveId" clId="{28B77DC3-1BDE-41AE-A96E-CA10BA68E48B}" dt="2023-12-06T12:27:41.214" v="5905" actId="1076"/>
           <ac:spMkLst>
             <pc:docMk/>
             <pc:sldMk cId="350706535" sldId="268"/>
@@ -4239,11 +4239,19 @@
           </ac:spMkLst>
         </pc:spChg>
         <pc:spChg chg="add mod ord">
-          <ac:chgData name="明阳 阮" userId="a4dcf2889a22c6f9" providerId="LiveId" clId="{28B77DC3-1BDE-41AE-A96E-CA10BA68E48B}" dt="2023-12-06T12:19:16.060" v="5879" actId="207"/>
+          <ac:chgData name="明阳 阮" userId="a4dcf2889a22c6f9" providerId="LiveId" clId="{28B77DC3-1BDE-41AE-A96E-CA10BA68E48B}" dt="2023-12-06T12:26:46.994" v="5897" actId="208"/>
           <ac:spMkLst>
             <pc:docMk/>
             <pc:sldMk cId="350706535" sldId="268"/>
             <ac:spMk id="9" creationId="{2A300F2E-301D-B72C-EBBC-7E25FD50FF8F}"/>
+          </ac:spMkLst>
+        </pc:spChg>
+        <pc:spChg chg="add mod">
+          <ac:chgData name="明阳 阮" userId="a4dcf2889a22c6f9" providerId="LiveId" clId="{28B77DC3-1BDE-41AE-A96E-CA10BA68E48B}" dt="2023-12-06T12:31:30.093" v="6154" actId="14100"/>
+          <ac:spMkLst>
+            <pc:docMk/>
+            <pc:sldMk cId="350706535" sldId="268"/>
+            <ac:spMk id="10" creationId="{97851D1E-D1FD-51F5-3316-B4B970EE89BD}"/>
           </ac:spMkLst>
         </pc:spChg>
       </pc:sldChg>
@@ -20426,18 +20434,20 @@
         </p:nvSpPr>
         <p:spPr>
           <a:xfrm>
-            <a:off x="636104" y="220961"/>
-            <a:ext cx="10575235" cy="1544229"/>
+            <a:off x="636104" y="957239"/>
+            <a:ext cx="10575235" cy="610686"/>
           </a:xfrm>
           <a:prstGeom prst="rect">
             <a:avLst/>
           </a:prstGeom>
           <a:solidFill>
-            <a:schemeClr val="accent1">
-              <a:lumMod val="60000"/>
-              <a:lumOff val="40000"/>
-            </a:schemeClr>
+            <a:schemeClr val="bg1"/>
           </a:solidFill>
+          <a:ln w="57150">
+            <a:solidFill>
+              <a:srgbClr val="FF0000"/>
+            </a:solidFill>
+          </a:ln>
         </p:spPr>
         <p:style>
           <a:lnRef idx="2">
@@ -20681,7 +20691,7 @@
         </p:nvSpPr>
         <p:spPr>
           <a:xfrm>
-            <a:off x="793849" y="973146"/>
+            <a:off x="793849" y="1044705"/>
             <a:ext cx="10309579" cy="523220"/>
           </a:xfrm>
           <a:prstGeom prst="rect">
@@ -20739,10 +20749,10 @@
       </p:sp>
       <p:sp>
         <p:nvSpPr>
-          <p:cNvPr id="3" name="テキスト ボックス 2">
-            <a:extLst>
-              <a:ext uri="{FF2B5EF4-FFF2-40B4-BE49-F238E27FC236}">
-                <a16:creationId xmlns:a16="http://schemas.microsoft.com/office/drawing/2014/main" id="{6E20A10B-E766-73C3-2F96-8D81116086C3}"/>
+          <p:cNvPr id="8" name="テキスト ボックス 7">
+            <a:extLst>
+              <a:ext uri="{FF2B5EF4-FFF2-40B4-BE49-F238E27FC236}">
+                <a16:creationId xmlns:a16="http://schemas.microsoft.com/office/drawing/2014/main" id="{E6885585-300C-C095-1D84-391F26824755}"/>
               </a:ext>
             </a:extLst>
           </p:cNvPr>
@@ -20751,52 +20761,7 @@
         </p:nvSpPr>
         <p:spPr>
           <a:xfrm>
-            <a:off x="793849" y="2010241"/>
-            <a:ext cx="2492990" cy="646331"/>
-          </a:xfrm>
-          <a:prstGeom prst="rect">
-            <a:avLst/>
-          </a:prstGeom>
-          <a:noFill/>
-        </p:spPr>
-        <p:txBody>
-          <a:bodyPr wrap="none" rtlCol="0">
-            <a:spAutoFit/>
-          </a:bodyPr>
-          <a:lstStyle/>
-          <a:p>
-            <a:r>
-              <a:rPr kumimoji="1" lang="ja-JP" altLang="en-US" sz="3600" b="1" dirty="0">
-                <a:effectLst>
-                  <a:outerShdw blurRad="38100" dist="38100" dir="2700000" algn="tl">
-                    <a:srgbClr val="000000">
-                      <a:alpha val="43137"/>
-                    </a:srgbClr>
-                  </a:outerShdw>
-                </a:effectLst>
-                <a:latin typeface="BIZ UDPゴシック" panose="020B0400000000000000" pitchFamily="50" charset="-128"/>
-                <a:ea typeface="BIZ UDPゴシック" panose="020B0400000000000000" pitchFamily="50" charset="-128"/>
-              </a:rPr>
-              <a:t>今回の流れ</a:t>
-            </a:r>
-          </a:p>
-        </p:txBody>
-      </p:sp>
-      <p:sp>
-        <p:nvSpPr>
-          <p:cNvPr id="8" name="テキスト ボックス 7">
-            <a:extLst>
-              <a:ext uri="{FF2B5EF4-FFF2-40B4-BE49-F238E27FC236}">
-                <a16:creationId xmlns:a16="http://schemas.microsoft.com/office/drawing/2014/main" id="{E6885585-300C-C095-1D84-391F26824755}"/>
-              </a:ext>
-            </a:extLst>
-          </p:cNvPr>
-          <p:cNvSpPr txBox="1"/>
-          <p:nvPr/>
-        </p:nvSpPr>
-        <p:spPr>
-          <a:xfrm>
-            <a:off x="793850" y="2808564"/>
+            <a:off x="793849" y="1931651"/>
             <a:ext cx="7995842" cy="523220"/>
           </a:xfrm>
           <a:prstGeom prst="rect">
@@ -20826,6 +20791,177 @@
           </a:p>
         </p:txBody>
       </p:sp>
+      <mc:AlternateContent xmlns:mc="http://schemas.openxmlformats.org/markup-compatibility/2006">
+        <mc:Choice xmlns:a14="http://schemas.microsoft.com/office/drawing/2010/main" Requires="a14">
+          <p:sp>
+            <p:nvSpPr>
+              <p:cNvPr id="10" name="テキスト ボックス 9">
+                <a:extLst>
+                  <a:ext uri="{FF2B5EF4-FFF2-40B4-BE49-F238E27FC236}">
+                    <a16:creationId xmlns:a16="http://schemas.microsoft.com/office/drawing/2014/main" id="{97851D1E-D1FD-51F5-3316-B4B970EE89BD}"/>
+                  </a:ext>
+                </a:extLst>
+              </p:cNvPr>
+              <p:cNvSpPr txBox="1"/>
+              <p:nvPr/>
+            </p:nvSpPr>
+            <p:spPr>
+              <a:xfrm>
+                <a:off x="793849" y="2717630"/>
+                <a:ext cx="10417490" cy="534826"/>
+              </a:xfrm>
+              <a:prstGeom prst="rect">
+                <a:avLst/>
+              </a:prstGeom>
+              <a:noFill/>
+            </p:spPr>
+            <p:txBody>
+              <a:bodyPr wrap="square" rtlCol="0">
+                <a:spAutoFit/>
+              </a:bodyPr>
+              <a:lstStyle/>
+              <a:p>
+                <a:r>
+                  <a:rPr lang="ja-JP" altLang="en-US" sz="2800" dirty="0">
+                    <a:latin typeface="Times New Roman" panose="02020603050405020304" pitchFamily="18" charset="0"/>
+                    <a:ea typeface="BIZ UDPゴシック" panose="020B0400000000000000" pitchFamily="50" charset="-128"/>
+                    <a:cs typeface="Times New Roman" panose="02020603050405020304" pitchFamily="18" charset="0"/>
+                  </a:rPr>
+                  <a:t>調べた汎関数と基底関数で</a:t>
+                </a:r>
+                <a14:m>
+                  <m:oMath xmlns:m="http://schemas.openxmlformats.org/officeDocument/2006/math">
+                    <m:sSub>
+                      <m:sSubPr>
+                        <m:ctrlPr>
+                          <a:rPr lang="en-US" altLang="ja-JP" sz="2800" b="0" i="1" dirty="0" smtClean="0">
+                            <a:latin typeface="Cambria Math" panose="02040503050406030204" pitchFamily="18" charset="0"/>
+                          </a:rPr>
+                        </m:ctrlPr>
+                      </m:sSubPr>
+                      <m:e>
+                        <m:r>
+                          <m:rPr>
+                            <m:sty m:val="p"/>
+                          </m:rPr>
+                          <a:rPr lang="en-US" altLang="ja-JP" sz="2800" i="0" dirty="0" smtClean="0">
+                            <a:latin typeface="Cambria Math" panose="02040503050406030204" pitchFamily="18" charset="0"/>
+                          </a:rPr>
+                          <m:t>H</m:t>
+                        </m:r>
+                      </m:e>
+                      <m:sub>
+                        <m:r>
+                          <a:rPr lang="en-US" altLang="ja-JP" sz="2800" b="0" i="0" dirty="0" smtClean="0">
+                            <a:latin typeface="Cambria Math" panose="02040503050406030204" pitchFamily="18" charset="0"/>
+                          </a:rPr>
+                          <m:t>2</m:t>
+                        </m:r>
+                      </m:sub>
+                    </m:sSub>
+                    <m:r>
+                      <m:rPr>
+                        <m:sty m:val="p"/>
+                      </m:rPr>
+                      <a:rPr lang="en-US" altLang="ja-JP" sz="2800" i="0" dirty="0" smtClean="0">
+                        <a:latin typeface="Cambria Math" panose="02040503050406030204" pitchFamily="18" charset="0"/>
+                      </a:rPr>
+                      <m:t>O</m:t>
+                    </m:r>
+                    <m:r>
+                      <a:rPr lang="ja-JP" altLang="en-US" sz="2800" i="1" dirty="0">
+                        <a:latin typeface="Cambria Math" panose="02040503050406030204" pitchFamily="18" charset="0"/>
+                      </a:rPr>
+                      <m:t>（</m:t>
+                    </m:r>
+                    <m:r>
+                      <m:rPr>
+                        <m:sty m:val="p"/>
+                      </m:rPr>
+                      <a:rPr kumimoji="1" lang="en-US" altLang="ja-JP" sz="2800" i="0" dirty="0" smtClean="0">
+                        <a:latin typeface="Cambria Math" panose="02040503050406030204" pitchFamily="18" charset="0"/>
+                      </a:rPr>
+                      <m:t>CO</m:t>
+                    </m:r>
+                    <m:r>
+                      <a:rPr kumimoji="1" lang="en-US" altLang="ja-JP" sz="2800" i="0" dirty="0" smtClean="0">
+                        <a:latin typeface="Cambria Math" panose="02040503050406030204" pitchFamily="18" charset="0"/>
+                      </a:rPr>
+                      <m:t>+</m:t>
+                    </m:r>
+                    <m:r>
+                      <m:rPr>
+                        <m:sty m:val="p"/>
+                      </m:rPr>
+                      <a:rPr kumimoji="1" lang="en-US" altLang="ja-JP" sz="2800" i="0" dirty="0" smtClean="0">
+                        <a:latin typeface="Cambria Math" panose="02040503050406030204" pitchFamily="18" charset="0"/>
+                      </a:rPr>
+                      <m:t>H</m:t>
+                    </m:r>
+                    <m:r>
+                      <a:rPr lang="ja-JP" altLang="en-US" sz="2800" i="1" dirty="0">
+                        <a:latin typeface="Cambria Math" panose="02040503050406030204" pitchFamily="18" charset="0"/>
+                      </a:rPr>
+                      <m:t>）</m:t>
+                    </m:r>
+                  </m:oMath>
+                </a14:m>
+                <a:r>
+                  <a:rPr kumimoji="1" lang="ja-JP" altLang="en-US" sz="2800" dirty="0">
+                    <a:latin typeface="BIZ UDゴシック" panose="020B0400000000000000" pitchFamily="49" charset="-128"/>
+                    <a:ea typeface="BIZ UDゴシック" panose="020B0400000000000000" pitchFamily="49" charset="-128"/>
+                  </a:rPr>
+                  <a:t>の反応を調べる</a:t>
+                </a:r>
+              </a:p>
+            </p:txBody>
+          </p:sp>
+        </mc:Choice>
+        <mc:Fallback>
+          <p:sp>
+            <p:nvSpPr>
+              <p:cNvPr id="10" name="テキスト ボックス 9">
+                <a:extLst>
+                  <a:ext uri="{FF2B5EF4-FFF2-40B4-BE49-F238E27FC236}">
+                    <a16:creationId xmlns:a16="http://schemas.microsoft.com/office/drawing/2014/main" id="{97851D1E-D1FD-51F5-3316-B4B970EE89BD}"/>
+                  </a:ext>
+                </a:extLst>
+              </p:cNvPr>
+              <p:cNvSpPr txBox="1">
+                <a:spLocks noRot="1" noChangeAspect="1" noMove="1" noResize="1" noEditPoints="1" noAdjustHandles="1" noChangeArrowheads="1" noChangeShapeType="1" noTextEdit="1"/>
+              </p:cNvSpPr>
+              <p:nvPr/>
+            </p:nvSpPr>
+            <p:spPr>
+              <a:xfrm>
+                <a:off x="793849" y="2717630"/>
+                <a:ext cx="10417490" cy="534826"/>
+              </a:xfrm>
+              <a:prstGeom prst="rect">
+                <a:avLst/>
+              </a:prstGeom>
+              <a:blipFill>
+                <a:blip r:embed="rId3"/>
+                <a:stretch>
+                  <a:fillRect l="-1170" t="-15909" b="-25000"/>
+                </a:stretch>
+              </a:blipFill>
+            </p:spPr>
+            <p:txBody>
+              <a:bodyPr/>
+              <a:lstStyle/>
+              <a:p>
+                <a:r>
+                  <a:rPr lang="ja-JP" altLang="en-US">
+                    <a:noFill/>
+                  </a:rPr>
+                  <a:t> </a:t>
+                </a:r>
+              </a:p>
+            </p:txBody>
+          </p:sp>
+        </mc:Fallback>
+      </mc:AlternateContent>
     </p:spTree>
     <p:extLst>
       <p:ext uri="{BB962C8B-B14F-4D97-AF65-F5344CB8AC3E}">
